--- a/翻转课堂/翻转课堂一.pptx
+++ b/翻转课堂/翻转课堂一.pptx
@@ -5,7 +5,7 @@
     <p:sldMasterId id="2147483648" r:id="rId1"/>
   </p:sldMasterIdLst>
   <p:notesMasterIdLst>
-    <p:notesMasterId r:id="rId39"/>
+    <p:notesMasterId r:id="rId40"/>
   </p:notesMasterIdLst>
   <p:sldIdLst>
     <p:sldId id="256" r:id="rId2"/>
@@ -44,7 +44,8 @@
     <p:sldId id="295" r:id="rId35"/>
     <p:sldId id="276" r:id="rId36"/>
     <p:sldId id="277" r:id="rId37"/>
-    <p:sldId id="278" r:id="rId38"/>
+    <p:sldId id="298" r:id="rId38"/>
+    <p:sldId id="278" r:id="rId39"/>
   </p:sldIdLst>
   <p:sldSz cx="12192000" cy="6858000"/>
   <p:notesSz cx="6858000" cy="9144000"/>
@@ -348,7 +349,7 @@
   </p:defaultTextStyle>
   <p:extLst>
     <p:ext uri="{EFAFB233-063F-42B5-8137-9DF3F51BA10A}">
-      <p15:sldGuideLst xmlns:p15="http://schemas.microsoft.com/office/powerpoint/2012/main">
+      <p15:sldGuideLst xmlns:p15="http://schemas.microsoft.com/office/powerpoint/2012/main" xmlns="">
         <p15:guide id="1" orient="horz" pos="2160">
           <p15:clr>
             <a:srgbClr val="A4A3A4"/>
@@ -3441,7 +3442,7 @@
           </a:ln>
           <a:extLst>
             <a:ext uri="{C572A759-6A51-4108-AA02-DFA0A04FC94B}">
-              <ma14:wrappingTextBoxFlag xmlns:ma14="http://schemas.microsoft.com/office/mac/drawingml/2011/main" val="1"/>
+              <ma14:wrappingTextBoxFlag xmlns:ma14="http://schemas.microsoft.com/office/mac/drawingml/2011/main" xmlns="" val="1"/>
             </a:ext>
           </a:extLst>
         </p:spPr>
@@ -3478,7 +3479,7 @@
           </a:ln>
           <a:extLst>
             <a:ext uri="{C572A759-6A51-4108-AA02-DFA0A04FC94B}">
-              <ma14:wrappingTextBoxFlag xmlns:ma14="http://schemas.microsoft.com/office/mac/drawingml/2011/main" val="1"/>
+              <ma14:wrappingTextBoxFlag xmlns:ma14="http://schemas.microsoft.com/office/mac/drawingml/2011/main" xmlns="" val="1"/>
             </a:ext>
           </a:extLst>
         </p:spPr>
@@ -4408,7 +4409,7 @@
           </a:ln>
           <a:extLst>
             <a:ext uri="{C572A759-6A51-4108-AA02-DFA0A04FC94B}">
-              <ma14:wrappingTextBoxFlag xmlns:ma14="http://schemas.microsoft.com/office/mac/drawingml/2011/main" val="1"/>
+              <ma14:wrappingTextBoxFlag xmlns:ma14="http://schemas.microsoft.com/office/mac/drawingml/2011/main" xmlns="" val="1"/>
             </a:ext>
           </a:extLst>
         </p:spPr>
@@ -4508,7 +4509,7 @@
           </a:ln>
           <a:extLst>
             <a:ext uri="{C572A759-6A51-4108-AA02-DFA0A04FC94B}">
-              <ma14:wrappingTextBoxFlag xmlns:ma14="http://schemas.microsoft.com/office/mac/drawingml/2011/main" val="1"/>
+              <ma14:wrappingTextBoxFlag xmlns:ma14="http://schemas.microsoft.com/office/mac/drawingml/2011/main" xmlns="" val="1"/>
             </a:ext>
           </a:extLst>
         </p:spPr>
@@ -4635,7 +4636,7 @@
             <a:effectLst/>
             <a:extLst>
               <a:ext uri="{C572A759-6A51-4108-AA02-DFA0A04FC94B}">
-                <ma14:wrappingTextBoxFlag xmlns:ma14="http://schemas.microsoft.com/office/mac/drawingml/2011/main" val="1"/>
+                <ma14:wrappingTextBoxFlag xmlns:ma14="http://schemas.microsoft.com/office/mac/drawingml/2011/main" xmlns="" val="1"/>
               </a:ext>
             </a:extLst>
           </p:spPr>
@@ -4749,7 +4750,7 @@
           </a:ln>
           <a:extLst>
             <a:ext uri="{C572A759-6A51-4108-AA02-DFA0A04FC94B}">
-              <ma14:wrappingTextBoxFlag xmlns:ma14="http://schemas.microsoft.com/office/mac/drawingml/2011/main" val="1"/>
+              <ma14:wrappingTextBoxFlag xmlns:ma14="http://schemas.microsoft.com/office/mac/drawingml/2011/main" xmlns="" val="1"/>
             </a:ext>
           </a:extLst>
         </p:spPr>
@@ -4791,7 +4792,7 @@
           </a:ln>
           <a:extLst>
             <a:ext uri="{C572A759-6A51-4108-AA02-DFA0A04FC94B}">
-              <ma14:wrappingTextBoxFlag xmlns:ma14="http://schemas.microsoft.com/office/mac/drawingml/2011/main" val="1"/>
+              <ma14:wrappingTextBoxFlag xmlns:ma14="http://schemas.microsoft.com/office/mac/drawingml/2011/main" xmlns="" val="1"/>
             </a:ext>
           </a:extLst>
         </p:spPr>
@@ -4894,7 +4895,7 @@
           </a:ln>
           <a:extLst>
             <a:ext uri="{C572A759-6A51-4108-AA02-DFA0A04FC94B}">
-              <ma14:wrappingTextBoxFlag xmlns:ma14="http://schemas.microsoft.com/office/mac/drawingml/2011/main" val="1"/>
+              <ma14:wrappingTextBoxFlag xmlns:ma14="http://schemas.microsoft.com/office/mac/drawingml/2011/main" xmlns="" val="1"/>
             </a:ext>
           </a:extLst>
         </p:spPr>
@@ -4988,7 +4989,7 @@
           </a:ln>
           <a:extLst>
             <a:ext uri="{C572A759-6A51-4108-AA02-DFA0A04FC94B}">
-              <ma14:wrappingTextBoxFlag xmlns:ma14="http://schemas.microsoft.com/office/mac/drawingml/2011/main" val="1"/>
+              <ma14:wrappingTextBoxFlag xmlns:ma14="http://schemas.microsoft.com/office/mac/drawingml/2011/main" xmlns="" val="1"/>
             </a:ext>
           </a:extLst>
         </p:spPr>
@@ -5480,7 +5481,7 @@
           </a:ln>
           <a:extLst>
             <a:ext uri="{C572A759-6A51-4108-AA02-DFA0A04FC94B}">
-              <ma14:wrappingTextBoxFlag xmlns:ma14="http://schemas.microsoft.com/office/mac/drawingml/2011/main" val="1"/>
+              <ma14:wrappingTextBoxFlag xmlns:ma14="http://schemas.microsoft.com/office/mac/drawingml/2011/main" xmlns="" val="1"/>
             </a:ext>
           </a:extLst>
         </p:spPr>
@@ -6108,7 +6109,7 @@
           </a:ln>
           <a:extLst>
             <a:ext uri="{C572A759-6A51-4108-AA02-DFA0A04FC94B}">
-              <ma14:wrappingTextBoxFlag xmlns:ma14="http://schemas.microsoft.com/office/mac/drawingml/2011/main" val="1"/>
+              <ma14:wrappingTextBoxFlag xmlns:ma14="http://schemas.microsoft.com/office/mac/drawingml/2011/main" xmlns="" val="1"/>
             </a:ext>
           </a:extLst>
         </p:spPr>
@@ -7091,7 +7092,7 @@
           </a:ln>
           <a:extLst>
             <a:ext uri="{C572A759-6A51-4108-AA02-DFA0A04FC94B}">
-              <ma14:wrappingTextBoxFlag xmlns:ma14="http://schemas.microsoft.com/office/mac/drawingml/2011/main" val="1"/>
+              <ma14:wrappingTextBoxFlag xmlns:ma14="http://schemas.microsoft.com/office/mac/drawingml/2011/main" xmlns="" val="1"/>
             </a:ext>
           </a:extLst>
         </p:spPr>
@@ -7346,7 +7347,7 @@
           </a:ln>
           <a:extLst>
             <a:ext uri="{C572A759-6A51-4108-AA02-DFA0A04FC94B}">
-              <ma14:wrappingTextBoxFlag xmlns:ma14="http://schemas.microsoft.com/office/mac/drawingml/2011/main" val="1"/>
+              <ma14:wrappingTextBoxFlag xmlns:ma14="http://schemas.microsoft.com/office/mac/drawingml/2011/main" xmlns="" val="1"/>
             </a:ext>
           </a:extLst>
         </p:spPr>
@@ -8107,7 +8108,7 @@
           </a:ln>
           <a:extLst>
             <a:ext uri="{C572A759-6A51-4108-AA02-DFA0A04FC94B}">
-              <ma14:wrappingTextBoxFlag xmlns:ma14="http://schemas.microsoft.com/office/mac/drawingml/2011/main" val="1"/>
+              <ma14:wrappingTextBoxFlag xmlns:ma14="http://schemas.microsoft.com/office/mac/drawingml/2011/main" xmlns="" val="1"/>
             </a:ext>
           </a:extLst>
         </p:spPr>
@@ -8148,7 +8149,7 @@
           </a:ln>
           <a:extLst>
             <a:ext uri="{C572A759-6A51-4108-AA02-DFA0A04FC94B}">
-              <ma14:wrappingTextBoxFlag xmlns:ma14="http://schemas.microsoft.com/office/mac/drawingml/2011/main" val="1"/>
+              <ma14:wrappingTextBoxFlag xmlns:ma14="http://schemas.microsoft.com/office/mac/drawingml/2011/main" xmlns="" val="1"/>
             </a:ext>
           </a:extLst>
         </p:spPr>
@@ -8250,7 +8251,7 @@
           </a:ln>
           <a:extLst>
             <a:ext uri="{C572A759-6A51-4108-AA02-DFA0A04FC94B}">
-              <ma14:wrappingTextBoxFlag xmlns:ma14="http://schemas.microsoft.com/office/mac/drawingml/2011/main" val="1"/>
+              <ma14:wrappingTextBoxFlag xmlns:ma14="http://schemas.microsoft.com/office/mac/drawingml/2011/main" xmlns="" val="1"/>
             </a:ext>
           </a:extLst>
         </p:spPr>
@@ -8337,7 +8338,7 @@
           </a:ln>
           <a:extLst>
             <a:ext uri="{C572A759-6A51-4108-AA02-DFA0A04FC94B}">
-              <ma14:wrappingTextBoxFlag xmlns:ma14="http://schemas.microsoft.com/office/mac/drawingml/2011/main" val="1"/>
+              <ma14:wrappingTextBoxFlag xmlns:ma14="http://schemas.microsoft.com/office/mac/drawingml/2011/main" xmlns="" val="1"/>
             </a:ext>
           </a:extLst>
         </p:spPr>
@@ -8932,7 +8933,7 @@
           </a:ln>
           <a:extLst>
             <a:ext uri="{C572A759-6A51-4108-AA02-DFA0A04FC94B}">
-              <ma14:wrappingTextBoxFlag xmlns:ma14="http://schemas.microsoft.com/office/mac/drawingml/2011/main" val="1"/>
+              <ma14:wrappingTextBoxFlag xmlns:ma14="http://schemas.microsoft.com/office/mac/drawingml/2011/main" xmlns="" val="1"/>
             </a:ext>
           </a:extLst>
         </p:spPr>
@@ -9838,7 +9839,7 @@
           </a:ln>
           <a:extLst>
             <a:ext uri="{C572A759-6A51-4108-AA02-DFA0A04FC94B}">
-              <ma14:wrappingTextBoxFlag xmlns:ma14="http://schemas.microsoft.com/office/mac/drawingml/2011/main" val="1"/>
+              <ma14:wrappingTextBoxFlag xmlns:ma14="http://schemas.microsoft.com/office/mac/drawingml/2011/main" xmlns="" val="1"/>
             </a:ext>
           </a:extLst>
         </p:spPr>
@@ -10742,7 +10743,7 @@
           </a:ln>
           <a:extLst>
             <a:ext uri="{C572A759-6A51-4108-AA02-DFA0A04FC94B}">
-              <ma14:wrappingTextBoxFlag xmlns:ma14="http://schemas.microsoft.com/office/mac/drawingml/2011/main" val="1"/>
+              <ma14:wrappingTextBoxFlag xmlns:ma14="http://schemas.microsoft.com/office/mac/drawingml/2011/main" xmlns="" val="1"/>
             </a:ext>
           </a:extLst>
         </p:spPr>
@@ -10785,7 +10786,7 @@
           </a:ln>
           <a:extLst>
             <a:ext uri="{C572A759-6A51-4108-AA02-DFA0A04FC94B}">
-              <ma14:wrappingTextBoxFlag xmlns:ma14="http://schemas.microsoft.com/office/mac/drawingml/2011/main" val="1"/>
+              <ma14:wrappingTextBoxFlag xmlns:ma14="http://schemas.microsoft.com/office/mac/drawingml/2011/main" xmlns="" val="1"/>
             </a:ext>
           </a:extLst>
         </p:spPr>
@@ -10888,7 +10889,7 @@
           </a:ln>
           <a:extLst>
             <a:ext uri="{C572A759-6A51-4108-AA02-DFA0A04FC94B}">
-              <ma14:wrappingTextBoxFlag xmlns:ma14="http://schemas.microsoft.com/office/mac/drawingml/2011/main" val="1"/>
+              <ma14:wrappingTextBoxFlag xmlns:ma14="http://schemas.microsoft.com/office/mac/drawingml/2011/main" xmlns="" val="1"/>
             </a:ext>
           </a:extLst>
         </p:spPr>
@@ -10975,7 +10976,7 @@
           </a:ln>
           <a:extLst>
             <a:ext uri="{C572A759-6A51-4108-AA02-DFA0A04FC94B}">
-              <ma14:wrappingTextBoxFlag xmlns:ma14="http://schemas.microsoft.com/office/mac/drawingml/2011/main" val="1"/>
+              <ma14:wrappingTextBoxFlag xmlns:ma14="http://schemas.microsoft.com/office/mac/drawingml/2011/main" xmlns="" val="1"/>
             </a:ext>
           </a:extLst>
         </p:spPr>
@@ -11366,7 +11367,7 @@
           </a:ln>
           <a:extLst>
             <a:ext uri="{C572A759-6A51-4108-AA02-DFA0A04FC94B}">
-              <ma14:wrappingTextBoxFlag xmlns:ma14="http://schemas.microsoft.com/office/mac/drawingml/2011/main" val="1"/>
+              <ma14:wrappingTextBoxFlag xmlns:ma14="http://schemas.microsoft.com/office/mac/drawingml/2011/main" xmlns="" val="1"/>
             </a:ext>
           </a:extLst>
         </p:spPr>
@@ -12579,7 +12580,7 @@
           </a:ln>
           <a:extLst>
             <a:ext uri="{C572A759-6A51-4108-AA02-DFA0A04FC94B}">
-              <ma14:wrappingTextBoxFlag xmlns:ma14="http://schemas.microsoft.com/office/mac/drawingml/2011/main" val="1"/>
+              <ma14:wrappingTextBoxFlag xmlns:ma14="http://schemas.microsoft.com/office/mac/drawingml/2011/main" xmlns="" val="1"/>
             </a:ext>
           </a:extLst>
         </p:spPr>
@@ -12621,7 +12622,7 @@
           </a:ln>
           <a:extLst>
             <a:ext uri="{C572A759-6A51-4108-AA02-DFA0A04FC94B}">
-              <ma14:wrappingTextBoxFlag xmlns:ma14="http://schemas.microsoft.com/office/mac/drawingml/2011/main" val="1"/>
+              <ma14:wrappingTextBoxFlag xmlns:ma14="http://schemas.microsoft.com/office/mac/drawingml/2011/main" xmlns="" val="1"/>
             </a:ext>
           </a:extLst>
         </p:spPr>
@@ -12723,7 +12724,7 @@
           </a:ln>
           <a:extLst>
             <a:ext uri="{C572A759-6A51-4108-AA02-DFA0A04FC94B}">
-              <ma14:wrappingTextBoxFlag xmlns:ma14="http://schemas.microsoft.com/office/mac/drawingml/2011/main" val="1"/>
+              <ma14:wrappingTextBoxFlag xmlns:ma14="http://schemas.microsoft.com/office/mac/drawingml/2011/main" xmlns="" val="1"/>
             </a:ext>
           </a:extLst>
         </p:spPr>
@@ -12817,7 +12818,7 @@
           </a:ln>
           <a:extLst>
             <a:ext uri="{C572A759-6A51-4108-AA02-DFA0A04FC94B}">
-              <ma14:wrappingTextBoxFlag xmlns:ma14="http://schemas.microsoft.com/office/mac/drawingml/2011/main" val="1"/>
+              <ma14:wrappingTextBoxFlag xmlns:ma14="http://schemas.microsoft.com/office/mac/drawingml/2011/main" xmlns="" val="1"/>
             </a:ext>
           </a:extLst>
         </p:spPr>
@@ -13274,7 +13275,7 @@
           </a:ln>
           <a:extLst>
             <a:ext uri="{C572A759-6A51-4108-AA02-DFA0A04FC94B}">
-              <ma14:wrappingTextBoxFlag xmlns:ma14="http://schemas.microsoft.com/office/mac/drawingml/2011/main" val="1"/>
+              <ma14:wrappingTextBoxFlag xmlns:ma14="http://schemas.microsoft.com/office/mac/drawingml/2011/main" xmlns="" val="1"/>
             </a:ext>
           </a:extLst>
         </p:spPr>
@@ -13856,7 +13857,7 @@
           </a:ln>
           <a:extLst>
             <a:ext uri="{C572A759-6A51-4108-AA02-DFA0A04FC94B}">
-              <ma14:wrappingTextBoxFlag xmlns:ma14="http://schemas.microsoft.com/office/mac/drawingml/2011/main" val="1"/>
+              <ma14:wrappingTextBoxFlag xmlns:ma14="http://schemas.microsoft.com/office/mac/drawingml/2011/main" xmlns="" val="1"/>
             </a:ext>
           </a:extLst>
         </p:spPr>
@@ -13908,7 +13909,7 @@
           </a:ln>
           <a:extLst>
             <a:ext uri="{C572A759-6A51-4108-AA02-DFA0A04FC94B}">
-              <ma14:wrappingTextBoxFlag xmlns:ma14="http://schemas.microsoft.com/office/mac/drawingml/2011/main" val="1"/>
+              <ma14:wrappingTextBoxFlag xmlns:ma14="http://schemas.microsoft.com/office/mac/drawingml/2011/main" xmlns="" val="1"/>
             </a:ext>
           </a:extLst>
         </p:spPr>
@@ -13949,7 +13950,7 @@
           </a:ln>
           <a:extLst>
             <a:ext uri="{C572A759-6A51-4108-AA02-DFA0A04FC94B}">
-              <ma14:wrappingTextBoxFlag xmlns:ma14="http://schemas.microsoft.com/office/mac/drawingml/2011/main" val="1"/>
+              <ma14:wrappingTextBoxFlag xmlns:ma14="http://schemas.microsoft.com/office/mac/drawingml/2011/main" xmlns="" val="1"/>
             </a:ext>
           </a:extLst>
         </p:spPr>
@@ -13989,7 +13990,7 @@
           </a:ln>
           <a:extLst>
             <a:ext uri="{C572A759-6A51-4108-AA02-DFA0A04FC94B}">
-              <ma14:wrappingTextBoxFlag xmlns:ma14="http://schemas.microsoft.com/office/mac/drawingml/2011/main" val="1"/>
+              <ma14:wrappingTextBoxFlag xmlns:ma14="http://schemas.microsoft.com/office/mac/drawingml/2011/main" xmlns="" val="1"/>
             </a:ext>
           </a:extLst>
         </p:spPr>
@@ -14029,7 +14030,7 @@
           </a:ln>
           <a:extLst>
             <a:ext uri="{C572A759-6A51-4108-AA02-DFA0A04FC94B}">
-              <ma14:wrappingTextBoxFlag xmlns:ma14="http://schemas.microsoft.com/office/mac/drawingml/2011/main" val="1"/>
+              <ma14:wrappingTextBoxFlag xmlns:ma14="http://schemas.microsoft.com/office/mac/drawingml/2011/main" xmlns="" val="1"/>
             </a:ext>
           </a:extLst>
         </p:spPr>
@@ -14069,7 +14070,7 @@
           </a:ln>
           <a:extLst>
             <a:ext uri="{C572A759-6A51-4108-AA02-DFA0A04FC94B}">
-              <ma14:wrappingTextBoxFlag xmlns:ma14="http://schemas.microsoft.com/office/mac/drawingml/2011/main" val="1"/>
+              <ma14:wrappingTextBoxFlag xmlns:ma14="http://schemas.microsoft.com/office/mac/drawingml/2011/main" xmlns="" val="1"/>
             </a:ext>
           </a:extLst>
         </p:spPr>
@@ -14110,7 +14111,7 @@
           </a:ln>
           <a:extLst>
             <a:ext uri="{C572A759-6A51-4108-AA02-DFA0A04FC94B}">
-              <ma14:wrappingTextBoxFlag xmlns:ma14="http://schemas.microsoft.com/office/mac/drawingml/2011/main" val="1"/>
+              <ma14:wrappingTextBoxFlag xmlns:ma14="http://schemas.microsoft.com/office/mac/drawingml/2011/main" xmlns="" val="1"/>
             </a:ext>
           </a:extLst>
         </p:spPr>
@@ -14151,7 +14152,7 @@
           </a:ln>
           <a:extLst>
             <a:ext uri="{C572A759-6A51-4108-AA02-DFA0A04FC94B}">
-              <ma14:wrappingTextBoxFlag xmlns:ma14="http://schemas.microsoft.com/office/mac/drawingml/2011/main" val="1"/>
+              <ma14:wrappingTextBoxFlag xmlns:ma14="http://schemas.microsoft.com/office/mac/drawingml/2011/main" xmlns="" val="1"/>
             </a:ext>
           </a:extLst>
         </p:spPr>
@@ -14213,7 +14214,7 @@
           </a:ln>
           <a:extLst>
             <a:ext uri="{C572A759-6A51-4108-AA02-DFA0A04FC94B}">
-              <ma14:wrappingTextBoxFlag xmlns:ma14="http://schemas.microsoft.com/office/mac/drawingml/2011/main" val="1"/>
+              <ma14:wrappingTextBoxFlag xmlns:ma14="http://schemas.microsoft.com/office/mac/drawingml/2011/main" xmlns="" val="1"/>
             </a:ext>
           </a:extLst>
         </p:spPr>
@@ -14278,7 +14279,7 @@
           </a:ln>
           <a:extLst>
             <a:ext uri="{C572A759-6A51-4108-AA02-DFA0A04FC94B}">
-              <ma14:wrappingTextBoxFlag xmlns:ma14="http://schemas.microsoft.com/office/mac/drawingml/2011/main" val="1"/>
+              <ma14:wrappingTextBoxFlag xmlns:ma14="http://schemas.microsoft.com/office/mac/drawingml/2011/main" xmlns="" val="1"/>
             </a:ext>
           </a:extLst>
         </p:spPr>
@@ -14366,7 +14367,7 @@
           </a:ln>
           <a:extLst>
             <a:ext uri="{C572A759-6A51-4108-AA02-DFA0A04FC94B}">
-              <ma14:wrappingTextBoxFlag xmlns:ma14="http://schemas.microsoft.com/office/mac/drawingml/2011/main" val="1"/>
+              <ma14:wrappingTextBoxFlag xmlns:ma14="http://schemas.microsoft.com/office/mac/drawingml/2011/main" xmlns="" val="1"/>
             </a:ext>
           </a:extLst>
         </p:spPr>
@@ -14431,7 +14432,7 @@
           </a:ln>
           <a:extLst>
             <a:ext uri="{C572A759-6A51-4108-AA02-DFA0A04FC94B}">
-              <ma14:wrappingTextBoxFlag xmlns:ma14="http://schemas.microsoft.com/office/mac/drawingml/2011/main" val="1"/>
+              <ma14:wrappingTextBoxFlag xmlns:ma14="http://schemas.microsoft.com/office/mac/drawingml/2011/main" xmlns="" val="1"/>
             </a:ext>
           </a:extLst>
         </p:spPr>
@@ -14496,7 +14497,7 @@
           </a:ln>
           <a:extLst>
             <a:ext uri="{C572A759-6A51-4108-AA02-DFA0A04FC94B}">
-              <ma14:wrappingTextBoxFlag xmlns:ma14="http://schemas.microsoft.com/office/mac/drawingml/2011/main" val="1"/>
+              <ma14:wrappingTextBoxFlag xmlns:ma14="http://schemas.microsoft.com/office/mac/drawingml/2011/main" xmlns="" val="1"/>
             </a:ext>
           </a:extLst>
         </p:spPr>
@@ -14777,7 +14778,7 @@
           </a:ln>
           <a:extLst>
             <a:ext uri="{C572A759-6A51-4108-AA02-DFA0A04FC94B}">
-              <ma14:wrappingTextBoxFlag xmlns:ma14="http://schemas.microsoft.com/office/mac/drawingml/2011/main" val="1"/>
+              <ma14:wrappingTextBoxFlag xmlns:ma14="http://schemas.microsoft.com/office/mac/drawingml/2011/main" xmlns="" val="1"/>
             </a:ext>
           </a:extLst>
         </p:spPr>
@@ -16324,7 +16325,7 @@
           </a:ln>
           <a:extLst>
             <a:ext uri="{C572A759-6A51-4108-AA02-DFA0A04FC94B}">
-              <ma14:wrappingTextBoxFlag xmlns:ma14="http://schemas.microsoft.com/office/mac/drawingml/2011/main" val="1"/>
+              <ma14:wrappingTextBoxFlag xmlns:ma14="http://schemas.microsoft.com/office/mac/drawingml/2011/main" xmlns="" val="1"/>
             </a:ext>
           </a:extLst>
         </p:spPr>
@@ -16366,7 +16367,7 @@
           </a:ln>
           <a:extLst>
             <a:ext uri="{C572A759-6A51-4108-AA02-DFA0A04FC94B}">
-              <ma14:wrappingTextBoxFlag xmlns:ma14="http://schemas.microsoft.com/office/mac/drawingml/2011/main" val="1"/>
+              <ma14:wrappingTextBoxFlag xmlns:ma14="http://schemas.microsoft.com/office/mac/drawingml/2011/main" xmlns="" val="1"/>
             </a:ext>
           </a:extLst>
         </p:spPr>
@@ -16464,7 +16465,7 @@
           </a:ln>
           <a:extLst>
             <a:ext uri="{C572A759-6A51-4108-AA02-DFA0A04FC94B}">
-              <ma14:wrappingTextBoxFlag xmlns:ma14="http://schemas.microsoft.com/office/mac/drawingml/2011/main" val="1"/>
+              <ma14:wrappingTextBoxFlag xmlns:ma14="http://schemas.microsoft.com/office/mac/drawingml/2011/main" xmlns="" val="1"/>
             </a:ext>
           </a:extLst>
         </p:spPr>
@@ -16558,7 +16559,7 @@
           </a:ln>
           <a:extLst>
             <a:ext uri="{C572A759-6A51-4108-AA02-DFA0A04FC94B}">
-              <ma14:wrappingTextBoxFlag xmlns:ma14="http://schemas.microsoft.com/office/mac/drawingml/2011/main" val="1"/>
+              <ma14:wrappingTextBoxFlag xmlns:ma14="http://schemas.microsoft.com/office/mac/drawingml/2011/main" xmlns="" val="1"/>
             </a:ext>
           </a:extLst>
         </p:spPr>
@@ -16763,6 +16764,101 @@
           <a:chExt cx="0" cy="0"/>
         </a:xfrm>
       </p:grpSpPr>
+      <p:graphicFrame>
+        <p:nvGraphicFramePr>
+          <p:cNvPr id="3" name="对象 2"/>
+          <p:cNvGraphicFramePr>
+            <a:graphicFrameLocks noChangeAspect="1"/>
+          </p:cNvGraphicFramePr>
+          <p:nvPr>
+            <p:extLst>
+              <p:ext uri="{D42A27DB-BD31-4B8C-83A1-F6EECF244321}">
+                <p14:modId xmlns:p14="http://schemas.microsoft.com/office/powerpoint/2010/main" val="3040630683"/>
+              </p:ext>
+            </p:extLst>
+          </p:nvPr>
+        </p:nvGraphicFramePr>
+        <p:xfrm>
+          <a:off x="1849438" y="904875"/>
+          <a:ext cx="6138862" cy="4752975"/>
+        </p:xfrm>
+        <a:graphic>
+          <a:graphicData uri="http://schemas.openxmlformats.org/presentationml/2006/ole">
+            <mc:AlternateContent xmlns:mc="http://schemas.openxmlformats.org/markup-compatibility/2006">
+              <mc:Choice xmlns:v="urn:schemas-microsoft-com:vml" Requires="v">
+                <p:oleObj spid="_x0000_s1028" name="文档" r:id="rId3" imgW="5405504" imgH="4186559" progId="Word.Document.12">
+                  <p:embed/>
+                </p:oleObj>
+              </mc:Choice>
+              <mc:Fallback>
+                <p:oleObj name="文档" r:id="rId3" imgW="5405504" imgH="4186559" progId="Word.Document.12">
+                  <p:embed/>
+                  <p:pic>
+                    <p:nvPicPr>
+                      <p:cNvPr id="0" name="对象 1"/>
+                      <p:cNvPicPr>
+                        <a:picLocks noChangeAspect="1" noChangeArrowheads="1"/>
+                      </p:cNvPicPr>
+                      <p:nvPr/>
+                    </p:nvPicPr>
+                    <p:blipFill>
+                      <a:blip r:embed="rId4"/>
+                      <a:srcRect/>
+                      <a:stretch>
+                        <a:fillRect/>
+                      </a:stretch>
+                    </p:blipFill>
+                    <p:spPr bwMode="auto">
+                      <a:xfrm>
+                        <a:off x="1849438" y="904875"/>
+                        <a:ext cx="6138862" cy="4752975"/>
+                      </a:xfrm>
+                      <a:prstGeom prst="rect">
+                        <a:avLst/>
+                      </a:prstGeom>
+                      <a:noFill/>
+                      <a:ln>
+                        <a:noFill/>
+                      </a:ln>
+                    </p:spPr>
+                  </p:pic>
+                </p:oleObj>
+              </mc:Fallback>
+            </mc:AlternateContent>
+          </a:graphicData>
+        </a:graphic>
+      </p:graphicFrame>
+    </p:spTree>
+    <p:extLst>
+      <p:ext uri="{BB962C8B-B14F-4D97-AF65-F5344CB8AC3E}">
+        <p14:creationId xmlns:p14="http://schemas.microsoft.com/office/powerpoint/2010/main" val="1586510742"/>
+      </p:ext>
+    </p:extLst>
+  </p:cSld>
+  <p:clrMapOvr>
+    <a:masterClrMapping/>
+  </p:clrMapOvr>
+  <p:transition spd="med"/>
+</p:sld>
+</file>
+
+<file path=ppt/slides/slide38.xml><?xml version="1.0" encoding="utf-8"?>
+<p:sld xmlns:a="http://schemas.openxmlformats.org/drawingml/2006/main" xmlns:r="http://schemas.openxmlformats.org/officeDocument/2006/relationships" xmlns:p="http://schemas.openxmlformats.org/presentationml/2006/main">
+  <p:cSld>
+    <p:spTree>
+      <p:nvGrpSpPr>
+        <p:cNvPr id="1" name=""/>
+        <p:cNvGrpSpPr/>
+        <p:nvPr/>
+      </p:nvGrpSpPr>
+      <p:grpSpPr>
+        <a:xfrm>
+          <a:off x="0" y="0"/>
+          <a:ext cx="0" cy="0"/>
+          <a:chOff x="0" y="0"/>
+          <a:chExt cx="0" cy="0"/>
+        </a:xfrm>
+      </p:grpSpPr>
       <p:sp>
         <p:nvSpPr>
           <p:cNvPr id="702" name="矩形 4"/>
@@ -16782,7 +16878,7 @@
           </a:ln>
           <a:extLst>
             <a:ext uri="{C572A759-6A51-4108-AA02-DFA0A04FC94B}">
-              <ma14:wrappingTextBoxFlag xmlns:ma14="http://schemas.microsoft.com/office/mac/drawingml/2011/main" val="1"/>
+              <ma14:wrappingTextBoxFlag xmlns:ma14="http://schemas.microsoft.com/office/mac/drawingml/2011/main" xmlns="" val="1"/>
             </a:ext>
           </a:extLst>
         </p:spPr>
@@ -16912,7 +17008,7 @@
             <a:effectLst/>
             <a:extLst>
               <a:ext uri="{C572A759-6A51-4108-AA02-DFA0A04FC94B}">
-                <ma14:wrappingTextBoxFlag xmlns:ma14="http://schemas.microsoft.com/office/mac/drawingml/2011/main" val="1"/>
+                <ma14:wrappingTextBoxFlag xmlns:ma14="http://schemas.microsoft.com/office/mac/drawingml/2011/main" xmlns="" val="1"/>
               </a:ext>
             </a:extLst>
           </p:spPr>
@@ -16993,7 +17089,7 @@
           </a:ln>
           <a:extLst>
             <a:ext uri="{C572A759-6A51-4108-AA02-DFA0A04FC94B}">
-              <ma14:wrappingTextBoxFlag xmlns:ma14="http://schemas.microsoft.com/office/mac/drawingml/2011/main" val="1"/>
+              <ma14:wrappingTextBoxFlag xmlns:ma14="http://schemas.microsoft.com/office/mac/drawingml/2011/main" xmlns="" val="1"/>
             </a:ext>
           </a:extLst>
         </p:spPr>
@@ -17103,7 +17199,7 @@
           </a:ln>
           <a:extLst>
             <a:ext uri="{C572A759-6A51-4108-AA02-DFA0A04FC94B}">
-              <ma14:wrappingTextBoxFlag xmlns:ma14="http://schemas.microsoft.com/office/mac/drawingml/2011/main" val="1"/>
+              <ma14:wrappingTextBoxFlag xmlns:ma14="http://schemas.microsoft.com/office/mac/drawingml/2011/main" xmlns="" val="1"/>
             </a:ext>
           </a:extLst>
         </p:spPr>
@@ -17144,7 +17240,7 @@
           </a:ln>
           <a:extLst>
             <a:ext uri="{C572A759-6A51-4108-AA02-DFA0A04FC94B}">
-              <ma14:wrappingTextBoxFlag xmlns:ma14="http://schemas.microsoft.com/office/mac/drawingml/2011/main" val="1"/>
+              <ma14:wrappingTextBoxFlag xmlns:ma14="http://schemas.microsoft.com/office/mac/drawingml/2011/main" xmlns="" val="1"/>
             </a:ext>
           </a:extLst>
         </p:spPr>
@@ -17242,7 +17338,7 @@
           </a:ln>
           <a:extLst>
             <a:ext uri="{C572A759-6A51-4108-AA02-DFA0A04FC94B}">
-              <ma14:wrappingTextBoxFlag xmlns:ma14="http://schemas.microsoft.com/office/mac/drawingml/2011/main" val="1"/>
+              <ma14:wrappingTextBoxFlag xmlns:ma14="http://schemas.microsoft.com/office/mac/drawingml/2011/main" xmlns="" val="1"/>
             </a:ext>
           </a:extLst>
         </p:spPr>
@@ -17377,7 +17473,7 @@
           </a:ln>
           <a:extLst>
             <a:ext uri="{C572A759-6A51-4108-AA02-DFA0A04FC94B}">
-              <ma14:wrappingTextBoxFlag xmlns:ma14="http://schemas.microsoft.com/office/mac/drawingml/2011/main" val="1"/>
+              <ma14:wrappingTextBoxFlag xmlns:ma14="http://schemas.microsoft.com/office/mac/drawingml/2011/main" xmlns="" val="1"/>
             </a:ext>
           </a:extLst>
         </p:spPr>
@@ -17418,7 +17514,7 @@
           </a:ln>
           <a:extLst>
             <a:ext uri="{C572A759-6A51-4108-AA02-DFA0A04FC94B}">
-              <ma14:wrappingTextBoxFlag xmlns:ma14="http://schemas.microsoft.com/office/mac/drawingml/2011/main" val="1"/>
+              <ma14:wrappingTextBoxFlag xmlns:ma14="http://schemas.microsoft.com/office/mac/drawingml/2011/main" xmlns="" val="1"/>
             </a:ext>
           </a:extLst>
         </p:spPr>
@@ -17482,7 +17578,7 @@
           </a:ln>
           <a:extLst>
             <a:ext uri="{C572A759-6A51-4108-AA02-DFA0A04FC94B}">
-              <ma14:wrappingTextBoxFlag xmlns:ma14="http://schemas.microsoft.com/office/mac/drawingml/2011/main" val="1"/>
+              <ma14:wrappingTextBoxFlag xmlns:ma14="http://schemas.microsoft.com/office/mac/drawingml/2011/main" xmlns="" val="1"/>
             </a:ext>
           </a:extLst>
         </p:spPr>
@@ -17835,7 +17931,7 @@
           </a:ln>
           <a:extLst>
             <a:ext uri="{C572A759-6A51-4108-AA02-DFA0A04FC94B}">
-              <ma14:wrappingTextBoxFlag xmlns:ma14="http://schemas.microsoft.com/office/mac/drawingml/2011/main" val="1"/>
+              <ma14:wrappingTextBoxFlag xmlns:ma14="http://schemas.microsoft.com/office/mac/drawingml/2011/main" xmlns="" val="1"/>
             </a:ext>
           </a:extLst>
         </p:spPr>
@@ -17876,7 +17972,7 @@
           </a:ln>
           <a:extLst>
             <a:ext uri="{C572A759-6A51-4108-AA02-DFA0A04FC94B}">
-              <ma14:wrappingTextBoxFlag xmlns:ma14="http://schemas.microsoft.com/office/mac/drawingml/2011/main" val="1"/>
+              <ma14:wrappingTextBoxFlag xmlns:ma14="http://schemas.microsoft.com/office/mac/drawingml/2011/main" xmlns="" val="1"/>
             </a:ext>
           </a:extLst>
         </p:spPr>
@@ -17940,7 +18036,7 @@
           </a:ln>
           <a:extLst>
             <a:ext uri="{C572A759-6A51-4108-AA02-DFA0A04FC94B}">
-              <ma14:wrappingTextBoxFlag xmlns:ma14="http://schemas.microsoft.com/office/mac/drawingml/2011/main" val="1"/>
+              <ma14:wrappingTextBoxFlag xmlns:ma14="http://schemas.microsoft.com/office/mac/drawingml/2011/main" xmlns="" val="1"/>
             </a:ext>
           </a:extLst>
         </p:spPr>
@@ -18235,7 +18331,7 @@
           </a:ln>
           <a:extLst>
             <a:ext uri="{C572A759-6A51-4108-AA02-DFA0A04FC94B}">
-              <ma14:wrappingTextBoxFlag xmlns:ma14="http://schemas.microsoft.com/office/mac/drawingml/2011/main" val="1"/>
+              <ma14:wrappingTextBoxFlag xmlns:ma14="http://schemas.microsoft.com/office/mac/drawingml/2011/main" xmlns="" val="1"/>
             </a:ext>
           </a:extLst>
         </p:spPr>
@@ -18550,7 +18646,7 @@
             </a:ln>
             <a:extLst>
               <a:ext uri="{C572A759-6A51-4108-AA02-DFA0A04FC94B}">
-                <ma14:wrappingTextBoxFlag xmlns:ma14="http://schemas.microsoft.com/office/mac/drawingml/2011/main" val="1"/>
+                <ma14:wrappingTextBoxFlag xmlns:ma14="http://schemas.microsoft.com/office/mac/drawingml/2011/main" xmlns="" val="1"/>
               </a:ext>
             </a:extLst>
           </p:spPr>
@@ -18845,7 +18941,7 @@
             </a:ln>
             <a:extLst>
               <a:ext uri="{C572A759-6A51-4108-AA02-DFA0A04FC94B}">
-                <ma14:wrappingTextBoxFlag xmlns:ma14="http://schemas.microsoft.com/office/mac/drawingml/2011/main" val="1"/>
+                <ma14:wrappingTextBoxFlag xmlns:ma14="http://schemas.microsoft.com/office/mac/drawingml/2011/main" xmlns="" val="1"/>
               </a:ext>
             </a:extLst>
           </p:spPr>
@@ -18985,7 +19081,7 @@
           </a:ln>
           <a:extLst>
             <a:ext uri="{C572A759-6A51-4108-AA02-DFA0A04FC94B}">
-              <ma14:wrappingTextBoxFlag xmlns:ma14="http://schemas.microsoft.com/office/mac/drawingml/2011/main" val="1"/>
+              <ma14:wrappingTextBoxFlag xmlns:ma14="http://schemas.microsoft.com/office/mac/drawingml/2011/main" xmlns="" val="1"/>
             </a:ext>
           </a:extLst>
         </p:spPr>
@@ -19049,7 +19145,7 @@
           </a:ln>
           <a:extLst>
             <a:ext uri="{C572A759-6A51-4108-AA02-DFA0A04FC94B}">
-              <ma14:wrappingTextBoxFlag xmlns:ma14="http://schemas.microsoft.com/office/mac/drawingml/2011/main" val="1"/>
+              <ma14:wrappingTextBoxFlag xmlns:ma14="http://schemas.microsoft.com/office/mac/drawingml/2011/main" xmlns="" val="1"/>
             </a:ext>
           </a:extLst>
         </p:spPr>
@@ -19670,7 +19766,7 @@
           </a:ln>
           <a:extLst>
             <a:ext uri="{C572A759-6A51-4108-AA02-DFA0A04FC94B}">
-              <ma14:wrappingTextBoxFlag xmlns:ma14="http://schemas.microsoft.com/office/mac/drawingml/2011/main" val="1"/>
+              <ma14:wrappingTextBoxFlag xmlns:ma14="http://schemas.microsoft.com/office/mac/drawingml/2011/main" xmlns="" val="1"/>
             </a:ext>
           </a:extLst>
         </p:spPr>
